--- a/public/user/output/U201812791-刘棫欣-1.《喜马拉雅FM免费增值策略对用户留存的影响的实证研究》/output_3_2.pptx
+++ b/public/user/output/U201812791-刘棫欣-1.《喜马拉雅FM免费增值策略对用户留存的影响的实证研究》/output_3_2.pptx
@@ -3619,7 +3619,7 @@
               </a:defRPr>
             </a:pPr>
             <a:r>
-              <a:t>3. 知识付费行为相关研究</a:t>
+              <a:t>3. 知识付费行为影响研究</a:t>
             </a:r>
           </a:p>
         </p:txBody>
@@ -3691,7 +3691,7 @@
               </a:defRPr>
             </a:pPr>
             <a:r>
-              <a:t>4. 用户留存与流失研究</a:t>
+              <a:t>4. 知识付费平台用户留存与流失研究</a:t>
             </a:r>
           </a:p>
         </p:txBody>
@@ -3727,7 +3727,7 @@
               </a:defRPr>
             </a:pPr>
             <a:r>
-              <a:t>- 学者将用户留存率作判断产品价值重要标准，不同行业有深入探讨，如游戏行业的预测研究。</a:t>
+              <a:t>- 学者将用户留存率作判断产品或服务价值的重要标准，不同行业对此有深入探讨，如游戏行业的预测研究。</a:t>
             </a:r>
           </a:p>
         </p:txBody>
